--- a/ppt 16-9/0642.有耶稣真美好.pptx
+++ b/ppt 16-9/0642.有耶稣真美好.pptx
@@ -5,7 +5,7 @@
     <p:sldMasterId id="2147483648" r:id="rId1"/>
   </p:sldMasterIdLst>
   <p:sldIdLst>
-    <p:sldId id="2440" r:id="rId2"/>
+    <p:sldId id="2441" r:id="rId2"/>
   </p:sldIdLst>
   <p:sldSz cx="12192000" cy="6858000"/>
   <p:notesSz cx="6858000" cy="9144000"/>
@@ -129,7 +129,7 @@
           <p:cNvPr id="2" name="标题 1">
             <a:extLst>
               <a:ext uri="{FF2B5EF4-FFF2-40B4-BE49-F238E27FC236}">
-                <a16:creationId xmlns:a16="http://schemas.microsoft.com/office/drawing/2014/main" id="{25D55F77-EA5B-B1E3-3FA0-8296D325EA48}"/>
+                <a16:creationId xmlns:a16="http://schemas.microsoft.com/office/drawing/2014/main" id="{51FAE3D7-FA33-A6EB-AE12-782ECABB2554}"/>
               </a:ext>
             </a:extLst>
           </p:cNvPr>
@@ -166,7 +166,7 @@
           <p:cNvPr id="3" name="副标题 2">
             <a:extLst>
               <a:ext uri="{FF2B5EF4-FFF2-40B4-BE49-F238E27FC236}">
-                <a16:creationId xmlns:a16="http://schemas.microsoft.com/office/drawing/2014/main" id="{2477E7EC-D02F-D2DC-022B-D99EF7E2167A}"/>
+                <a16:creationId xmlns:a16="http://schemas.microsoft.com/office/drawing/2014/main" id="{A67690EE-3447-606F-C403-807E074F774C}"/>
               </a:ext>
             </a:extLst>
           </p:cNvPr>
@@ -236,7 +236,7 @@
           <p:cNvPr id="4" name="日期占位符 3">
             <a:extLst>
               <a:ext uri="{FF2B5EF4-FFF2-40B4-BE49-F238E27FC236}">
-                <a16:creationId xmlns:a16="http://schemas.microsoft.com/office/drawing/2014/main" id="{97EE4346-FB03-BDB7-3619-A091F0F5D133}"/>
+                <a16:creationId xmlns:a16="http://schemas.microsoft.com/office/drawing/2014/main" id="{5FC0B965-8A1C-FE2E-E17A-410AA6FD3249}"/>
               </a:ext>
             </a:extLst>
           </p:cNvPr>
@@ -252,7 +252,7 @@
           <a:bodyPr/>
           <a:lstStyle/>
           <a:p>
-            <a:fld id="{06A78B97-773D-412C-8AF2-A0EBBF564E92}" type="datetimeFigureOut">
+            <a:fld id="{F380F0A8-0473-4A20-8C20-A96370B75364}" type="datetimeFigureOut">
               <a:rPr lang="zh-CN" altLang="en-US" smtClean="0"/>
               <a:t>2024/3/10</a:t>
             </a:fld>
@@ -265,7 +265,7 @@
           <p:cNvPr id="5" name="页脚占位符 4">
             <a:extLst>
               <a:ext uri="{FF2B5EF4-FFF2-40B4-BE49-F238E27FC236}">
-                <a16:creationId xmlns:a16="http://schemas.microsoft.com/office/drawing/2014/main" id="{58BAD53B-27F5-035B-81E0-485B742E7BAA}"/>
+                <a16:creationId xmlns:a16="http://schemas.microsoft.com/office/drawing/2014/main" id="{A51D4B3C-74D8-B04F-59E7-B5A80E16AAD6}"/>
               </a:ext>
             </a:extLst>
           </p:cNvPr>
@@ -290,7 +290,7 @@
           <p:cNvPr id="6" name="灯片编号占位符 5">
             <a:extLst>
               <a:ext uri="{FF2B5EF4-FFF2-40B4-BE49-F238E27FC236}">
-                <a16:creationId xmlns:a16="http://schemas.microsoft.com/office/drawing/2014/main" id="{1EB5D2DA-A866-86B1-4DC4-3845CFDD6A7E}"/>
+                <a16:creationId xmlns:a16="http://schemas.microsoft.com/office/drawing/2014/main" id="{3A0C2439-DB95-97FA-9935-F6C82A339220}"/>
               </a:ext>
             </a:extLst>
           </p:cNvPr>
@@ -306,7 +306,7 @@
           <a:bodyPr/>
           <a:lstStyle/>
           <a:p>
-            <a:fld id="{A523F04E-FB01-4960-A81F-F3629EDC51EF}" type="slidenum">
+            <a:fld id="{4A400253-2D7C-47B1-AFA8-B230F6224588}" type="slidenum">
               <a:rPr lang="zh-CN" altLang="en-US" smtClean="0"/>
               <a:t>‹#›</a:t>
             </a:fld>
@@ -317,7 +317,7 @@
     </p:spTree>
     <p:extLst>
       <p:ext uri="{BB962C8B-B14F-4D97-AF65-F5344CB8AC3E}">
-        <p14:creationId xmlns:p14="http://schemas.microsoft.com/office/powerpoint/2010/main" val="838528206"/>
+        <p14:creationId xmlns:p14="http://schemas.microsoft.com/office/powerpoint/2010/main" val="2019760109"/>
       </p:ext>
     </p:extLst>
   </p:cSld>
@@ -349,7 +349,7 @@
           <p:cNvPr id="2" name="标题 1">
             <a:extLst>
               <a:ext uri="{FF2B5EF4-FFF2-40B4-BE49-F238E27FC236}">
-                <a16:creationId xmlns:a16="http://schemas.microsoft.com/office/drawing/2014/main" id="{A28583D4-78C4-0930-34BE-978B5904E4F1}"/>
+                <a16:creationId xmlns:a16="http://schemas.microsoft.com/office/drawing/2014/main" id="{E774C39B-9DE1-5B6A-6F5C-9D0A92860725}"/>
               </a:ext>
             </a:extLst>
           </p:cNvPr>
@@ -377,7 +377,7 @@
           <p:cNvPr id="3" name="竖排文字占位符 2">
             <a:extLst>
               <a:ext uri="{FF2B5EF4-FFF2-40B4-BE49-F238E27FC236}">
-                <a16:creationId xmlns:a16="http://schemas.microsoft.com/office/drawing/2014/main" id="{6A88B3F4-ADC1-C752-65B3-5E1DC90F8FA2}"/>
+                <a16:creationId xmlns:a16="http://schemas.microsoft.com/office/drawing/2014/main" id="{07A397B6-1955-18C9-3035-8DD94CF66AC8}"/>
               </a:ext>
             </a:extLst>
           </p:cNvPr>
@@ -434,7 +434,7 @@
           <p:cNvPr id="4" name="日期占位符 3">
             <a:extLst>
               <a:ext uri="{FF2B5EF4-FFF2-40B4-BE49-F238E27FC236}">
-                <a16:creationId xmlns:a16="http://schemas.microsoft.com/office/drawing/2014/main" id="{81666061-4B6F-E0A6-790E-6010D6217B69}"/>
+                <a16:creationId xmlns:a16="http://schemas.microsoft.com/office/drawing/2014/main" id="{82D9130D-A022-AC77-16BA-F1601131202E}"/>
               </a:ext>
             </a:extLst>
           </p:cNvPr>
@@ -450,7 +450,7 @@
           <a:bodyPr/>
           <a:lstStyle/>
           <a:p>
-            <a:fld id="{06A78B97-773D-412C-8AF2-A0EBBF564E92}" type="datetimeFigureOut">
+            <a:fld id="{F380F0A8-0473-4A20-8C20-A96370B75364}" type="datetimeFigureOut">
               <a:rPr lang="zh-CN" altLang="en-US" smtClean="0"/>
               <a:t>2024/3/10</a:t>
             </a:fld>
@@ -463,7 +463,7 @@
           <p:cNvPr id="5" name="页脚占位符 4">
             <a:extLst>
               <a:ext uri="{FF2B5EF4-FFF2-40B4-BE49-F238E27FC236}">
-                <a16:creationId xmlns:a16="http://schemas.microsoft.com/office/drawing/2014/main" id="{3C232032-FD77-E43C-6A66-9193708CA54F}"/>
+                <a16:creationId xmlns:a16="http://schemas.microsoft.com/office/drawing/2014/main" id="{A44A3CAD-6C7F-976C-181B-8BBD32DCE504}"/>
               </a:ext>
             </a:extLst>
           </p:cNvPr>
@@ -488,7 +488,7 @@
           <p:cNvPr id="6" name="灯片编号占位符 5">
             <a:extLst>
               <a:ext uri="{FF2B5EF4-FFF2-40B4-BE49-F238E27FC236}">
-                <a16:creationId xmlns:a16="http://schemas.microsoft.com/office/drawing/2014/main" id="{88BBD4C1-70B2-673E-6677-DEF18B30C042}"/>
+                <a16:creationId xmlns:a16="http://schemas.microsoft.com/office/drawing/2014/main" id="{05EB1A85-6897-0318-CF32-6BA03269DF00}"/>
               </a:ext>
             </a:extLst>
           </p:cNvPr>
@@ -504,7 +504,7 @@
           <a:bodyPr/>
           <a:lstStyle/>
           <a:p>
-            <a:fld id="{A523F04E-FB01-4960-A81F-F3629EDC51EF}" type="slidenum">
+            <a:fld id="{4A400253-2D7C-47B1-AFA8-B230F6224588}" type="slidenum">
               <a:rPr lang="zh-CN" altLang="en-US" smtClean="0"/>
               <a:t>‹#›</a:t>
             </a:fld>
@@ -515,7 +515,7 @@
     </p:spTree>
     <p:extLst>
       <p:ext uri="{BB962C8B-B14F-4D97-AF65-F5344CB8AC3E}">
-        <p14:creationId xmlns:p14="http://schemas.microsoft.com/office/powerpoint/2010/main" val="597514178"/>
+        <p14:creationId xmlns:p14="http://schemas.microsoft.com/office/powerpoint/2010/main" val="529478925"/>
       </p:ext>
     </p:extLst>
   </p:cSld>
@@ -547,7 +547,7 @@
           <p:cNvPr id="2" name="竖排标题 1">
             <a:extLst>
               <a:ext uri="{FF2B5EF4-FFF2-40B4-BE49-F238E27FC236}">
-                <a16:creationId xmlns:a16="http://schemas.microsoft.com/office/drawing/2014/main" id="{CF12499D-1C0E-13E2-5340-6EE8C4941129}"/>
+                <a16:creationId xmlns:a16="http://schemas.microsoft.com/office/drawing/2014/main" id="{A696F90A-CA22-689B-3AE6-4A7652B7E084}"/>
               </a:ext>
             </a:extLst>
           </p:cNvPr>
@@ -580,7 +580,7 @@
           <p:cNvPr id="3" name="竖排文字占位符 2">
             <a:extLst>
               <a:ext uri="{FF2B5EF4-FFF2-40B4-BE49-F238E27FC236}">
-                <a16:creationId xmlns:a16="http://schemas.microsoft.com/office/drawing/2014/main" id="{A588D9E7-9437-5390-515F-AD66CA8BA60E}"/>
+                <a16:creationId xmlns:a16="http://schemas.microsoft.com/office/drawing/2014/main" id="{51346207-FBCA-F643-DEE4-AA86C3D39D79}"/>
               </a:ext>
             </a:extLst>
           </p:cNvPr>
@@ -642,7 +642,7 @@
           <p:cNvPr id="4" name="日期占位符 3">
             <a:extLst>
               <a:ext uri="{FF2B5EF4-FFF2-40B4-BE49-F238E27FC236}">
-                <a16:creationId xmlns:a16="http://schemas.microsoft.com/office/drawing/2014/main" id="{0C66E459-2F03-B617-35C0-473D1644D7B4}"/>
+                <a16:creationId xmlns:a16="http://schemas.microsoft.com/office/drawing/2014/main" id="{16F5CAB4-32DB-6D45-DC2F-8467A2C52430}"/>
               </a:ext>
             </a:extLst>
           </p:cNvPr>
@@ -658,7 +658,7 @@
           <a:bodyPr/>
           <a:lstStyle/>
           <a:p>
-            <a:fld id="{06A78B97-773D-412C-8AF2-A0EBBF564E92}" type="datetimeFigureOut">
+            <a:fld id="{F380F0A8-0473-4A20-8C20-A96370B75364}" type="datetimeFigureOut">
               <a:rPr lang="zh-CN" altLang="en-US" smtClean="0"/>
               <a:t>2024/3/10</a:t>
             </a:fld>
@@ -671,7 +671,7 @@
           <p:cNvPr id="5" name="页脚占位符 4">
             <a:extLst>
               <a:ext uri="{FF2B5EF4-FFF2-40B4-BE49-F238E27FC236}">
-                <a16:creationId xmlns:a16="http://schemas.microsoft.com/office/drawing/2014/main" id="{B1C4FB3B-F17E-2108-0531-153A16334515}"/>
+                <a16:creationId xmlns:a16="http://schemas.microsoft.com/office/drawing/2014/main" id="{CA00AF0F-FEDB-EB8C-E8D0-9C68EC620A96}"/>
               </a:ext>
             </a:extLst>
           </p:cNvPr>
@@ -696,7 +696,7 @@
           <p:cNvPr id="6" name="灯片编号占位符 5">
             <a:extLst>
               <a:ext uri="{FF2B5EF4-FFF2-40B4-BE49-F238E27FC236}">
-                <a16:creationId xmlns:a16="http://schemas.microsoft.com/office/drawing/2014/main" id="{13CCA61D-0B50-6AEB-D35F-2563F594AF13}"/>
+                <a16:creationId xmlns:a16="http://schemas.microsoft.com/office/drawing/2014/main" id="{A4F43DA3-AF86-4AFA-B43A-C2261479A479}"/>
               </a:ext>
             </a:extLst>
           </p:cNvPr>
@@ -712,7 +712,7 @@
           <a:bodyPr/>
           <a:lstStyle/>
           <a:p>
-            <a:fld id="{A523F04E-FB01-4960-A81F-F3629EDC51EF}" type="slidenum">
+            <a:fld id="{4A400253-2D7C-47B1-AFA8-B230F6224588}" type="slidenum">
               <a:rPr lang="zh-CN" altLang="en-US" smtClean="0"/>
               <a:t>‹#›</a:t>
             </a:fld>
@@ -723,7 +723,7 @@
     </p:spTree>
     <p:extLst>
       <p:ext uri="{BB962C8B-B14F-4D97-AF65-F5344CB8AC3E}">
-        <p14:creationId xmlns:p14="http://schemas.microsoft.com/office/powerpoint/2010/main" val="445778816"/>
+        <p14:creationId xmlns:p14="http://schemas.microsoft.com/office/powerpoint/2010/main" val="4417516"/>
       </p:ext>
     </p:extLst>
   </p:cSld>
@@ -755,7 +755,7 @@
           <p:cNvPr id="2" name="标题 1">
             <a:extLst>
               <a:ext uri="{FF2B5EF4-FFF2-40B4-BE49-F238E27FC236}">
-                <a16:creationId xmlns:a16="http://schemas.microsoft.com/office/drawing/2014/main" id="{E5B2CD70-5BA3-3FF0-7491-EF7514CC6061}"/>
+                <a16:creationId xmlns:a16="http://schemas.microsoft.com/office/drawing/2014/main" id="{ACECEEE8-172E-A9A4-CBAA-B1F705E101C7}"/>
               </a:ext>
             </a:extLst>
           </p:cNvPr>
@@ -783,7 +783,7 @@
           <p:cNvPr id="3" name="内容占位符 2">
             <a:extLst>
               <a:ext uri="{FF2B5EF4-FFF2-40B4-BE49-F238E27FC236}">
-                <a16:creationId xmlns:a16="http://schemas.microsoft.com/office/drawing/2014/main" id="{1A233468-7AF6-1E3D-2FEE-8AE2D99BA125}"/>
+                <a16:creationId xmlns:a16="http://schemas.microsoft.com/office/drawing/2014/main" id="{BD009682-51E6-533D-B2E1-949E3BFF03AD}"/>
               </a:ext>
             </a:extLst>
           </p:cNvPr>
@@ -840,7 +840,7 @@
           <p:cNvPr id="4" name="日期占位符 3">
             <a:extLst>
               <a:ext uri="{FF2B5EF4-FFF2-40B4-BE49-F238E27FC236}">
-                <a16:creationId xmlns:a16="http://schemas.microsoft.com/office/drawing/2014/main" id="{4CAF9AEE-E75F-5C84-567D-AA3E60A161A7}"/>
+                <a16:creationId xmlns:a16="http://schemas.microsoft.com/office/drawing/2014/main" id="{72BC564E-7DDF-C730-46FD-69F405F7C449}"/>
               </a:ext>
             </a:extLst>
           </p:cNvPr>
@@ -856,7 +856,7 @@
           <a:bodyPr/>
           <a:lstStyle/>
           <a:p>
-            <a:fld id="{06A78B97-773D-412C-8AF2-A0EBBF564E92}" type="datetimeFigureOut">
+            <a:fld id="{F380F0A8-0473-4A20-8C20-A96370B75364}" type="datetimeFigureOut">
               <a:rPr lang="zh-CN" altLang="en-US" smtClean="0"/>
               <a:t>2024/3/10</a:t>
             </a:fld>
@@ -869,7 +869,7 @@
           <p:cNvPr id="5" name="页脚占位符 4">
             <a:extLst>
               <a:ext uri="{FF2B5EF4-FFF2-40B4-BE49-F238E27FC236}">
-                <a16:creationId xmlns:a16="http://schemas.microsoft.com/office/drawing/2014/main" id="{EB45A35F-A50F-AF4C-B8FE-F9A84E14903B}"/>
+                <a16:creationId xmlns:a16="http://schemas.microsoft.com/office/drawing/2014/main" id="{A4CFA08A-87C1-2F99-042A-9E93EA8F3907}"/>
               </a:ext>
             </a:extLst>
           </p:cNvPr>
@@ -894,7 +894,7 @@
           <p:cNvPr id="6" name="灯片编号占位符 5">
             <a:extLst>
               <a:ext uri="{FF2B5EF4-FFF2-40B4-BE49-F238E27FC236}">
-                <a16:creationId xmlns:a16="http://schemas.microsoft.com/office/drawing/2014/main" id="{1106AA3C-A345-FC67-A5D4-BEB13CBFE634}"/>
+                <a16:creationId xmlns:a16="http://schemas.microsoft.com/office/drawing/2014/main" id="{31AC55EF-935B-EBA6-85D4-65E273B61792}"/>
               </a:ext>
             </a:extLst>
           </p:cNvPr>
@@ -910,7 +910,7 @@
           <a:bodyPr/>
           <a:lstStyle/>
           <a:p>
-            <a:fld id="{A523F04E-FB01-4960-A81F-F3629EDC51EF}" type="slidenum">
+            <a:fld id="{4A400253-2D7C-47B1-AFA8-B230F6224588}" type="slidenum">
               <a:rPr lang="zh-CN" altLang="en-US" smtClean="0"/>
               <a:t>‹#›</a:t>
             </a:fld>
@@ -921,7 +921,7 @@
     </p:spTree>
     <p:extLst>
       <p:ext uri="{BB962C8B-B14F-4D97-AF65-F5344CB8AC3E}">
-        <p14:creationId xmlns:p14="http://schemas.microsoft.com/office/powerpoint/2010/main" val="3516373426"/>
+        <p14:creationId xmlns:p14="http://schemas.microsoft.com/office/powerpoint/2010/main" val="2558966321"/>
       </p:ext>
     </p:extLst>
   </p:cSld>
@@ -953,7 +953,7 @@
           <p:cNvPr id="2" name="标题 1">
             <a:extLst>
               <a:ext uri="{FF2B5EF4-FFF2-40B4-BE49-F238E27FC236}">
-                <a16:creationId xmlns:a16="http://schemas.microsoft.com/office/drawing/2014/main" id="{B3EE3E5C-0A79-BF61-B87F-B9639372A003}"/>
+                <a16:creationId xmlns:a16="http://schemas.microsoft.com/office/drawing/2014/main" id="{B73E0BDD-7790-2B84-6C62-39BEAE2C2B0A}"/>
               </a:ext>
             </a:extLst>
           </p:cNvPr>
@@ -990,7 +990,7 @@
           <p:cNvPr id="3" name="文本占位符 2">
             <a:extLst>
               <a:ext uri="{FF2B5EF4-FFF2-40B4-BE49-F238E27FC236}">
-                <a16:creationId xmlns:a16="http://schemas.microsoft.com/office/drawing/2014/main" id="{40E759F9-C1AC-5EC2-632D-C2F098B9A62F}"/>
+                <a16:creationId xmlns:a16="http://schemas.microsoft.com/office/drawing/2014/main" id="{2F0CF4DA-4FAD-7B98-B305-E4C3744CB421}"/>
               </a:ext>
             </a:extLst>
           </p:cNvPr>
@@ -1115,7 +1115,7 @@
           <p:cNvPr id="4" name="日期占位符 3">
             <a:extLst>
               <a:ext uri="{FF2B5EF4-FFF2-40B4-BE49-F238E27FC236}">
-                <a16:creationId xmlns:a16="http://schemas.microsoft.com/office/drawing/2014/main" id="{28A95D6F-7350-75E8-D8DA-771038C4A740}"/>
+                <a16:creationId xmlns:a16="http://schemas.microsoft.com/office/drawing/2014/main" id="{08C06196-DD1C-9C9B-8D07-3224702FA370}"/>
               </a:ext>
             </a:extLst>
           </p:cNvPr>
@@ -1131,7 +1131,7 @@
           <a:bodyPr/>
           <a:lstStyle/>
           <a:p>
-            <a:fld id="{06A78B97-773D-412C-8AF2-A0EBBF564E92}" type="datetimeFigureOut">
+            <a:fld id="{F380F0A8-0473-4A20-8C20-A96370B75364}" type="datetimeFigureOut">
               <a:rPr lang="zh-CN" altLang="en-US" smtClean="0"/>
               <a:t>2024/3/10</a:t>
             </a:fld>
@@ -1144,7 +1144,7 @@
           <p:cNvPr id="5" name="页脚占位符 4">
             <a:extLst>
               <a:ext uri="{FF2B5EF4-FFF2-40B4-BE49-F238E27FC236}">
-                <a16:creationId xmlns:a16="http://schemas.microsoft.com/office/drawing/2014/main" id="{A37534BC-2F0B-2D7E-E2E4-5137B62E46EE}"/>
+                <a16:creationId xmlns:a16="http://schemas.microsoft.com/office/drawing/2014/main" id="{982B7CFD-9FBE-5D43-CC7F-462C17CE6A82}"/>
               </a:ext>
             </a:extLst>
           </p:cNvPr>
@@ -1169,7 +1169,7 @@
           <p:cNvPr id="6" name="灯片编号占位符 5">
             <a:extLst>
               <a:ext uri="{FF2B5EF4-FFF2-40B4-BE49-F238E27FC236}">
-                <a16:creationId xmlns:a16="http://schemas.microsoft.com/office/drawing/2014/main" id="{9C6A279C-56DE-E063-AADA-E1BFEC105800}"/>
+                <a16:creationId xmlns:a16="http://schemas.microsoft.com/office/drawing/2014/main" id="{F1654180-C934-753F-56F0-1B7BCCC31421}"/>
               </a:ext>
             </a:extLst>
           </p:cNvPr>
@@ -1185,7 +1185,7 @@
           <a:bodyPr/>
           <a:lstStyle/>
           <a:p>
-            <a:fld id="{A523F04E-FB01-4960-A81F-F3629EDC51EF}" type="slidenum">
+            <a:fld id="{4A400253-2D7C-47B1-AFA8-B230F6224588}" type="slidenum">
               <a:rPr lang="zh-CN" altLang="en-US" smtClean="0"/>
               <a:t>‹#›</a:t>
             </a:fld>
@@ -1196,7 +1196,7 @@
     </p:spTree>
     <p:extLst>
       <p:ext uri="{BB962C8B-B14F-4D97-AF65-F5344CB8AC3E}">
-        <p14:creationId xmlns:p14="http://schemas.microsoft.com/office/powerpoint/2010/main" val="432943762"/>
+        <p14:creationId xmlns:p14="http://schemas.microsoft.com/office/powerpoint/2010/main" val="3617098054"/>
       </p:ext>
     </p:extLst>
   </p:cSld>
@@ -1228,7 +1228,7 @@
           <p:cNvPr id="2" name="标题 1">
             <a:extLst>
               <a:ext uri="{FF2B5EF4-FFF2-40B4-BE49-F238E27FC236}">
-                <a16:creationId xmlns:a16="http://schemas.microsoft.com/office/drawing/2014/main" id="{1C4F34B5-4E0C-D99F-A5EA-D6F9F7E7A30D}"/>
+                <a16:creationId xmlns:a16="http://schemas.microsoft.com/office/drawing/2014/main" id="{173B653D-F1E2-DB9B-A2EF-809490505401}"/>
               </a:ext>
             </a:extLst>
           </p:cNvPr>
@@ -1256,7 +1256,7 @@
           <p:cNvPr id="3" name="内容占位符 2">
             <a:extLst>
               <a:ext uri="{FF2B5EF4-FFF2-40B4-BE49-F238E27FC236}">
-                <a16:creationId xmlns:a16="http://schemas.microsoft.com/office/drawing/2014/main" id="{3572DDA6-05C2-E401-E99D-92588452DD48}"/>
+                <a16:creationId xmlns:a16="http://schemas.microsoft.com/office/drawing/2014/main" id="{B1BD92F9-FC39-762B-09DB-BB560AE915A1}"/>
               </a:ext>
             </a:extLst>
           </p:cNvPr>
@@ -1318,7 +1318,7 @@
           <p:cNvPr id="4" name="内容占位符 3">
             <a:extLst>
               <a:ext uri="{FF2B5EF4-FFF2-40B4-BE49-F238E27FC236}">
-                <a16:creationId xmlns:a16="http://schemas.microsoft.com/office/drawing/2014/main" id="{34FD3DE5-7368-2A82-E60E-397D26A29D50}"/>
+                <a16:creationId xmlns:a16="http://schemas.microsoft.com/office/drawing/2014/main" id="{C1772928-2110-F4AF-EDCA-060B8EBA3AC4}"/>
               </a:ext>
             </a:extLst>
           </p:cNvPr>
@@ -1380,7 +1380,7 @@
           <p:cNvPr id="5" name="日期占位符 4">
             <a:extLst>
               <a:ext uri="{FF2B5EF4-FFF2-40B4-BE49-F238E27FC236}">
-                <a16:creationId xmlns:a16="http://schemas.microsoft.com/office/drawing/2014/main" id="{9118E1F6-9167-27BE-6D71-78C7ACDD65E6}"/>
+                <a16:creationId xmlns:a16="http://schemas.microsoft.com/office/drawing/2014/main" id="{419B3E7B-8465-9D6C-98E6-DB67A80FF53C}"/>
               </a:ext>
             </a:extLst>
           </p:cNvPr>
@@ -1396,7 +1396,7 @@
           <a:bodyPr/>
           <a:lstStyle/>
           <a:p>
-            <a:fld id="{06A78B97-773D-412C-8AF2-A0EBBF564E92}" type="datetimeFigureOut">
+            <a:fld id="{F380F0A8-0473-4A20-8C20-A96370B75364}" type="datetimeFigureOut">
               <a:rPr lang="zh-CN" altLang="en-US" smtClean="0"/>
               <a:t>2024/3/10</a:t>
             </a:fld>
@@ -1409,7 +1409,7 @@
           <p:cNvPr id="6" name="页脚占位符 5">
             <a:extLst>
               <a:ext uri="{FF2B5EF4-FFF2-40B4-BE49-F238E27FC236}">
-                <a16:creationId xmlns:a16="http://schemas.microsoft.com/office/drawing/2014/main" id="{ED5F1FBB-EB75-4CA2-C80E-3F2EAA7576E0}"/>
+                <a16:creationId xmlns:a16="http://schemas.microsoft.com/office/drawing/2014/main" id="{646D92B9-7D64-8CEA-F24B-92ABCB343776}"/>
               </a:ext>
             </a:extLst>
           </p:cNvPr>
@@ -1434,7 +1434,7 @@
           <p:cNvPr id="7" name="灯片编号占位符 6">
             <a:extLst>
               <a:ext uri="{FF2B5EF4-FFF2-40B4-BE49-F238E27FC236}">
-                <a16:creationId xmlns:a16="http://schemas.microsoft.com/office/drawing/2014/main" id="{652C6FF4-E957-4B64-2C00-23DF0C0D8B16}"/>
+                <a16:creationId xmlns:a16="http://schemas.microsoft.com/office/drawing/2014/main" id="{5E963AE0-0E46-95B5-A9BB-B3D7466C9064}"/>
               </a:ext>
             </a:extLst>
           </p:cNvPr>
@@ -1450,7 +1450,7 @@
           <a:bodyPr/>
           <a:lstStyle/>
           <a:p>
-            <a:fld id="{A523F04E-FB01-4960-A81F-F3629EDC51EF}" type="slidenum">
+            <a:fld id="{4A400253-2D7C-47B1-AFA8-B230F6224588}" type="slidenum">
               <a:rPr lang="zh-CN" altLang="en-US" smtClean="0"/>
               <a:t>‹#›</a:t>
             </a:fld>
@@ -1461,7 +1461,7 @@
     </p:spTree>
     <p:extLst>
       <p:ext uri="{BB962C8B-B14F-4D97-AF65-F5344CB8AC3E}">
-        <p14:creationId xmlns:p14="http://schemas.microsoft.com/office/powerpoint/2010/main" val="4067623269"/>
+        <p14:creationId xmlns:p14="http://schemas.microsoft.com/office/powerpoint/2010/main" val="2205509893"/>
       </p:ext>
     </p:extLst>
   </p:cSld>
@@ -1493,7 +1493,7 @@
           <p:cNvPr id="2" name="标题 1">
             <a:extLst>
               <a:ext uri="{FF2B5EF4-FFF2-40B4-BE49-F238E27FC236}">
-                <a16:creationId xmlns:a16="http://schemas.microsoft.com/office/drawing/2014/main" id="{989F3F9C-6B88-C252-642D-665A147D8D0D}"/>
+                <a16:creationId xmlns:a16="http://schemas.microsoft.com/office/drawing/2014/main" id="{5EFE3231-078F-6CD8-D68D-054C93CE7C2B}"/>
               </a:ext>
             </a:extLst>
           </p:cNvPr>
@@ -1526,7 +1526,7 @@
           <p:cNvPr id="3" name="文本占位符 2">
             <a:extLst>
               <a:ext uri="{FF2B5EF4-FFF2-40B4-BE49-F238E27FC236}">
-                <a16:creationId xmlns:a16="http://schemas.microsoft.com/office/drawing/2014/main" id="{6A7EC091-0BA3-AA46-AB0B-936F9FC0F9AF}"/>
+                <a16:creationId xmlns:a16="http://schemas.microsoft.com/office/drawing/2014/main" id="{3467E3EB-CF32-8218-10A6-76B5B00D9B32}"/>
               </a:ext>
             </a:extLst>
           </p:cNvPr>
@@ -1597,7 +1597,7 @@
           <p:cNvPr id="4" name="内容占位符 3">
             <a:extLst>
               <a:ext uri="{FF2B5EF4-FFF2-40B4-BE49-F238E27FC236}">
-                <a16:creationId xmlns:a16="http://schemas.microsoft.com/office/drawing/2014/main" id="{00294C92-B2D4-9C43-9490-8FF5366D2638}"/>
+                <a16:creationId xmlns:a16="http://schemas.microsoft.com/office/drawing/2014/main" id="{59957E77-8F34-36A6-2EFE-C88D0AAD7258}"/>
               </a:ext>
             </a:extLst>
           </p:cNvPr>
@@ -1659,7 +1659,7 @@
           <p:cNvPr id="5" name="文本占位符 4">
             <a:extLst>
               <a:ext uri="{FF2B5EF4-FFF2-40B4-BE49-F238E27FC236}">
-                <a16:creationId xmlns:a16="http://schemas.microsoft.com/office/drawing/2014/main" id="{0FCCC67B-28B4-291C-1C54-EE362A89D374}"/>
+                <a16:creationId xmlns:a16="http://schemas.microsoft.com/office/drawing/2014/main" id="{441016A0-5D07-5E0B-F99D-BE9D74D39AE5}"/>
               </a:ext>
             </a:extLst>
           </p:cNvPr>
@@ -1730,7 +1730,7 @@
           <p:cNvPr id="6" name="内容占位符 5">
             <a:extLst>
               <a:ext uri="{FF2B5EF4-FFF2-40B4-BE49-F238E27FC236}">
-                <a16:creationId xmlns:a16="http://schemas.microsoft.com/office/drawing/2014/main" id="{07BA38CC-D20F-F424-3D31-D0FC0A3E044A}"/>
+                <a16:creationId xmlns:a16="http://schemas.microsoft.com/office/drawing/2014/main" id="{669F4602-44F1-5903-9BAC-ECEEDFC54B8D}"/>
               </a:ext>
             </a:extLst>
           </p:cNvPr>
@@ -1792,7 +1792,7 @@
           <p:cNvPr id="7" name="日期占位符 6">
             <a:extLst>
               <a:ext uri="{FF2B5EF4-FFF2-40B4-BE49-F238E27FC236}">
-                <a16:creationId xmlns:a16="http://schemas.microsoft.com/office/drawing/2014/main" id="{605A9691-344C-EE39-45D4-E4982BD6D153}"/>
+                <a16:creationId xmlns:a16="http://schemas.microsoft.com/office/drawing/2014/main" id="{1E3E2DDB-B22B-B85C-7534-102C6FEE55FD}"/>
               </a:ext>
             </a:extLst>
           </p:cNvPr>
@@ -1808,7 +1808,7 @@
           <a:bodyPr/>
           <a:lstStyle/>
           <a:p>
-            <a:fld id="{06A78B97-773D-412C-8AF2-A0EBBF564E92}" type="datetimeFigureOut">
+            <a:fld id="{F380F0A8-0473-4A20-8C20-A96370B75364}" type="datetimeFigureOut">
               <a:rPr lang="zh-CN" altLang="en-US" smtClean="0"/>
               <a:t>2024/3/10</a:t>
             </a:fld>
@@ -1821,7 +1821,7 @@
           <p:cNvPr id="8" name="页脚占位符 7">
             <a:extLst>
               <a:ext uri="{FF2B5EF4-FFF2-40B4-BE49-F238E27FC236}">
-                <a16:creationId xmlns:a16="http://schemas.microsoft.com/office/drawing/2014/main" id="{D0EC92BA-0784-3E43-4458-2746A8D9ED92}"/>
+                <a16:creationId xmlns:a16="http://schemas.microsoft.com/office/drawing/2014/main" id="{84992052-72FF-6F4B-431B-C00F1412E9DC}"/>
               </a:ext>
             </a:extLst>
           </p:cNvPr>
@@ -1846,7 +1846,7 @@
           <p:cNvPr id="9" name="灯片编号占位符 8">
             <a:extLst>
               <a:ext uri="{FF2B5EF4-FFF2-40B4-BE49-F238E27FC236}">
-                <a16:creationId xmlns:a16="http://schemas.microsoft.com/office/drawing/2014/main" id="{7ED018E6-4EBF-7395-F4E1-A932A366DBA3}"/>
+                <a16:creationId xmlns:a16="http://schemas.microsoft.com/office/drawing/2014/main" id="{8E62B7AD-77A6-52C5-B68E-1617030A39AF}"/>
               </a:ext>
             </a:extLst>
           </p:cNvPr>
@@ -1862,7 +1862,7 @@
           <a:bodyPr/>
           <a:lstStyle/>
           <a:p>
-            <a:fld id="{A523F04E-FB01-4960-A81F-F3629EDC51EF}" type="slidenum">
+            <a:fld id="{4A400253-2D7C-47B1-AFA8-B230F6224588}" type="slidenum">
               <a:rPr lang="zh-CN" altLang="en-US" smtClean="0"/>
               <a:t>‹#›</a:t>
             </a:fld>
@@ -1873,7 +1873,7 @@
     </p:spTree>
     <p:extLst>
       <p:ext uri="{BB962C8B-B14F-4D97-AF65-F5344CB8AC3E}">
-        <p14:creationId xmlns:p14="http://schemas.microsoft.com/office/powerpoint/2010/main" val="3855145398"/>
+        <p14:creationId xmlns:p14="http://schemas.microsoft.com/office/powerpoint/2010/main" val="3130445707"/>
       </p:ext>
     </p:extLst>
   </p:cSld>
@@ -1905,7 +1905,7 @@
           <p:cNvPr id="2" name="标题 1">
             <a:extLst>
               <a:ext uri="{FF2B5EF4-FFF2-40B4-BE49-F238E27FC236}">
-                <a16:creationId xmlns:a16="http://schemas.microsoft.com/office/drawing/2014/main" id="{253C102A-5E31-FB36-E603-751B41CD601C}"/>
+                <a16:creationId xmlns:a16="http://schemas.microsoft.com/office/drawing/2014/main" id="{1DD563D0-B30A-EA05-1E23-E1816A424B10}"/>
               </a:ext>
             </a:extLst>
           </p:cNvPr>
@@ -1933,7 +1933,7 @@
           <p:cNvPr id="3" name="日期占位符 2">
             <a:extLst>
               <a:ext uri="{FF2B5EF4-FFF2-40B4-BE49-F238E27FC236}">
-                <a16:creationId xmlns:a16="http://schemas.microsoft.com/office/drawing/2014/main" id="{E3FB839A-9FC6-563A-638C-890AFD1CF53A}"/>
+                <a16:creationId xmlns:a16="http://schemas.microsoft.com/office/drawing/2014/main" id="{B82C7BA9-966B-0D53-610C-2E27D5966F82}"/>
               </a:ext>
             </a:extLst>
           </p:cNvPr>
@@ -1949,7 +1949,7 @@
           <a:bodyPr/>
           <a:lstStyle/>
           <a:p>
-            <a:fld id="{06A78B97-773D-412C-8AF2-A0EBBF564E92}" type="datetimeFigureOut">
+            <a:fld id="{F380F0A8-0473-4A20-8C20-A96370B75364}" type="datetimeFigureOut">
               <a:rPr lang="zh-CN" altLang="en-US" smtClean="0"/>
               <a:t>2024/3/10</a:t>
             </a:fld>
@@ -1962,7 +1962,7 @@
           <p:cNvPr id="4" name="页脚占位符 3">
             <a:extLst>
               <a:ext uri="{FF2B5EF4-FFF2-40B4-BE49-F238E27FC236}">
-                <a16:creationId xmlns:a16="http://schemas.microsoft.com/office/drawing/2014/main" id="{4C8B5872-27B1-4F50-1C09-0B9655D8AE56}"/>
+                <a16:creationId xmlns:a16="http://schemas.microsoft.com/office/drawing/2014/main" id="{591696CA-5FC0-959D-2359-DA3E695062C3}"/>
               </a:ext>
             </a:extLst>
           </p:cNvPr>
@@ -1987,7 +1987,7 @@
           <p:cNvPr id="5" name="灯片编号占位符 4">
             <a:extLst>
               <a:ext uri="{FF2B5EF4-FFF2-40B4-BE49-F238E27FC236}">
-                <a16:creationId xmlns:a16="http://schemas.microsoft.com/office/drawing/2014/main" id="{CC926ABB-2371-7CCE-E5CF-BF67D049DDF4}"/>
+                <a16:creationId xmlns:a16="http://schemas.microsoft.com/office/drawing/2014/main" id="{B7AE1A0F-FD6E-B400-827B-B873E04A9F92}"/>
               </a:ext>
             </a:extLst>
           </p:cNvPr>
@@ -2003,7 +2003,7 @@
           <a:bodyPr/>
           <a:lstStyle/>
           <a:p>
-            <a:fld id="{A523F04E-FB01-4960-A81F-F3629EDC51EF}" type="slidenum">
+            <a:fld id="{4A400253-2D7C-47B1-AFA8-B230F6224588}" type="slidenum">
               <a:rPr lang="zh-CN" altLang="en-US" smtClean="0"/>
               <a:t>‹#›</a:t>
             </a:fld>
@@ -2014,7 +2014,7 @@
     </p:spTree>
     <p:extLst>
       <p:ext uri="{BB962C8B-B14F-4D97-AF65-F5344CB8AC3E}">
-        <p14:creationId xmlns:p14="http://schemas.microsoft.com/office/powerpoint/2010/main" val="315647440"/>
+        <p14:creationId xmlns:p14="http://schemas.microsoft.com/office/powerpoint/2010/main" val="4256567606"/>
       </p:ext>
     </p:extLst>
   </p:cSld>
@@ -2046,7 +2046,7 @@
           <p:cNvPr id="2" name="日期占位符 1">
             <a:extLst>
               <a:ext uri="{FF2B5EF4-FFF2-40B4-BE49-F238E27FC236}">
-                <a16:creationId xmlns:a16="http://schemas.microsoft.com/office/drawing/2014/main" id="{4275FF4B-99C9-AA01-20FA-72A85DD54303}"/>
+                <a16:creationId xmlns:a16="http://schemas.microsoft.com/office/drawing/2014/main" id="{F8495CE5-C66E-DEEF-665A-1703F0FD27B4}"/>
               </a:ext>
             </a:extLst>
           </p:cNvPr>
@@ -2062,7 +2062,7 @@
           <a:bodyPr/>
           <a:lstStyle/>
           <a:p>
-            <a:fld id="{06A78B97-773D-412C-8AF2-A0EBBF564E92}" type="datetimeFigureOut">
+            <a:fld id="{F380F0A8-0473-4A20-8C20-A96370B75364}" type="datetimeFigureOut">
               <a:rPr lang="zh-CN" altLang="en-US" smtClean="0"/>
               <a:t>2024/3/10</a:t>
             </a:fld>
@@ -2075,7 +2075,7 @@
           <p:cNvPr id="3" name="页脚占位符 2">
             <a:extLst>
               <a:ext uri="{FF2B5EF4-FFF2-40B4-BE49-F238E27FC236}">
-                <a16:creationId xmlns:a16="http://schemas.microsoft.com/office/drawing/2014/main" id="{E70A27AF-6797-47E4-C8E4-3BB37D56CA4B}"/>
+                <a16:creationId xmlns:a16="http://schemas.microsoft.com/office/drawing/2014/main" id="{9FF47C29-9575-673C-A55F-BC643392B42E}"/>
               </a:ext>
             </a:extLst>
           </p:cNvPr>
@@ -2100,7 +2100,7 @@
           <p:cNvPr id="4" name="灯片编号占位符 3">
             <a:extLst>
               <a:ext uri="{FF2B5EF4-FFF2-40B4-BE49-F238E27FC236}">
-                <a16:creationId xmlns:a16="http://schemas.microsoft.com/office/drawing/2014/main" id="{CEC42F06-D539-C93E-B7F5-5474F99F0865}"/>
+                <a16:creationId xmlns:a16="http://schemas.microsoft.com/office/drawing/2014/main" id="{A63B7DF0-9BC0-266E-46D5-51387B95B147}"/>
               </a:ext>
             </a:extLst>
           </p:cNvPr>
@@ -2116,7 +2116,7 @@
           <a:bodyPr/>
           <a:lstStyle/>
           <a:p>
-            <a:fld id="{A523F04E-FB01-4960-A81F-F3629EDC51EF}" type="slidenum">
+            <a:fld id="{4A400253-2D7C-47B1-AFA8-B230F6224588}" type="slidenum">
               <a:rPr lang="zh-CN" altLang="en-US" smtClean="0"/>
               <a:t>‹#›</a:t>
             </a:fld>
@@ -2127,7 +2127,7 @@
     </p:spTree>
     <p:extLst>
       <p:ext uri="{BB962C8B-B14F-4D97-AF65-F5344CB8AC3E}">
-        <p14:creationId xmlns:p14="http://schemas.microsoft.com/office/powerpoint/2010/main" val="4263531676"/>
+        <p14:creationId xmlns:p14="http://schemas.microsoft.com/office/powerpoint/2010/main" val="2070029573"/>
       </p:ext>
     </p:extLst>
   </p:cSld>
@@ -2159,7 +2159,7 @@
           <p:cNvPr id="2" name="标题 1">
             <a:extLst>
               <a:ext uri="{FF2B5EF4-FFF2-40B4-BE49-F238E27FC236}">
-                <a16:creationId xmlns:a16="http://schemas.microsoft.com/office/drawing/2014/main" id="{73EABFF8-EF22-DB42-74A8-E5094EE1E409}"/>
+                <a16:creationId xmlns:a16="http://schemas.microsoft.com/office/drawing/2014/main" id="{D56E6F40-AAEE-11F0-229A-23BBD93E73C8}"/>
               </a:ext>
             </a:extLst>
           </p:cNvPr>
@@ -2196,7 +2196,7 @@
           <p:cNvPr id="3" name="内容占位符 2">
             <a:extLst>
               <a:ext uri="{FF2B5EF4-FFF2-40B4-BE49-F238E27FC236}">
-                <a16:creationId xmlns:a16="http://schemas.microsoft.com/office/drawing/2014/main" id="{10A9837E-F68D-945E-42B5-1372D795D1C8}"/>
+                <a16:creationId xmlns:a16="http://schemas.microsoft.com/office/drawing/2014/main" id="{73701CD6-863D-157C-03D1-2183703BE6A8}"/>
               </a:ext>
             </a:extLst>
           </p:cNvPr>
@@ -2286,7 +2286,7 @@
           <p:cNvPr id="4" name="文本占位符 3">
             <a:extLst>
               <a:ext uri="{FF2B5EF4-FFF2-40B4-BE49-F238E27FC236}">
-                <a16:creationId xmlns:a16="http://schemas.microsoft.com/office/drawing/2014/main" id="{039F6E58-1DB0-E546-3864-DA338AD09B3E}"/>
+                <a16:creationId xmlns:a16="http://schemas.microsoft.com/office/drawing/2014/main" id="{381DD5DC-DE66-0F3F-42D4-E2AE012A2DBC}"/>
               </a:ext>
             </a:extLst>
           </p:cNvPr>
@@ -2357,7 +2357,7 @@
           <p:cNvPr id="5" name="日期占位符 4">
             <a:extLst>
               <a:ext uri="{FF2B5EF4-FFF2-40B4-BE49-F238E27FC236}">
-                <a16:creationId xmlns:a16="http://schemas.microsoft.com/office/drawing/2014/main" id="{110685FD-20B5-35BD-B477-E382A1380EDD}"/>
+                <a16:creationId xmlns:a16="http://schemas.microsoft.com/office/drawing/2014/main" id="{6161C5A8-C780-60E1-EECF-0643BF71AFD7}"/>
               </a:ext>
             </a:extLst>
           </p:cNvPr>
@@ -2373,7 +2373,7 @@
           <a:bodyPr/>
           <a:lstStyle/>
           <a:p>
-            <a:fld id="{06A78B97-773D-412C-8AF2-A0EBBF564E92}" type="datetimeFigureOut">
+            <a:fld id="{F380F0A8-0473-4A20-8C20-A96370B75364}" type="datetimeFigureOut">
               <a:rPr lang="zh-CN" altLang="en-US" smtClean="0"/>
               <a:t>2024/3/10</a:t>
             </a:fld>
@@ -2386,7 +2386,7 @@
           <p:cNvPr id="6" name="页脚占位符 5">
             <a:extLst>
               <a:ext uri="{FF2B5EF4-FFF2-40B4-BE49-F238E27FC236}">
-                <a16:creationId xmlns:a16="http://schemas.microsoft.com/office/drawing/2014/main" id="{DBE5643D-8958-F2F9-082D-CEED1DEC0AC4}"/>
+                <a16:creationId xmlns:a16="http://schemas.microsoft.com/office/drawing/2014/main" id="{A456831A-113D-4EA4-3B87-E5C79FF30697}"/>
               </a:ext>
             </a:extLst>
           </p:cNvPr>
@@ -2411,7 +2411,7 @@
           <p:cNvPr id="7" name="灯片编号占位符 6">
             <a:extLst>
               <a:ext uri="{FF2B5EF4-FFF2-40B4-BE49-F238E27FC236}">
-                <a16:creationId xmlns:a16="http://schemas.microsoft.com/office/drawing/2014/main" id="{90B8EAF6-CC3F-D461-1FFF-5823EC9792A9}"/>
+                <a16:creationId xmlns:a16="http://schemas.microsoft.com/office/drawing/2014/main" id="{2CE2B9AD-DA18-295C-6822-3E4D52397827}"/>
               </a:ext>
             </a:extLst>
           </p:cNvPr>
@@ -2427,7 +2427,7 @@
           <a:bodyPr/>
           <a:lstStyle/>
           <a:p>
-            <a:fld id="{A523F04E-FB01-4960-A81F-F3629EDC51EF}" type="slidenum">
+            <a:fld id="{4A400253-2D7C-47B1-AFA8-B230F6224588}" type="slidenum">
               <a:rPr lang="zh-CN" altLang="en-US" smtClean="0"/>
               <a:t>‹#›</a:t>
             </a:fld>
@@ -2438,7 +2438,7 @@
     </p:spTree>
     <p:extLst>
       <p:ext uri="{BB962C8B-B14F-4D97-AF65-F5344CB8AC3E}">
-        <p14:creationId xmlns:p14="http://schemas.microsoft.com/office/powerpoint/2010/main" val="366645687"/>
+        <p14:creationId xmlns:p14="http://schemas.microsoft.com/office/powerpoint/2010/main" val="718835022"/>
       </p:ext>
     </p:extLst>
   </p:cSld>
@@ -2470,7 +2470,7 @@
           <p:cNvPr id="2" name="标题 1">
             <a:extLst>
               <a:ext uri="{FF2B5EF4-FFF2-40B4-BE49-F238E27FC236}">
-                <a16:creationId xmlns:a16="http://schemas.microsoft.com/office/drawing/2014/main" id="{653A2414-755F-E95C-0A50-A0B1419E49AF}"/>
+                <a16:creationId xmlns:a16="http://schemas.microsoft.com/office/drawing/2014/main" id="{3880ED03-AD34-EF28-ED52-85BD033D173F}"/>
               </a:ext>
             </a:extLst>
           </p:cNvPr>
@@ -2507,7 +2507,7 @@
           <p:cNvPr id="3" name="图片占位符 2">
             <a:extLst>
               <a:ext uri="{FF2B5EF4-FFF2-40B4-BE49-F238E27FC236}">
-                <a16:creationId xmlns:a16="http://schemas.microsoft.com/office/drawing/2014/main" id="{D0F85A0A-A2F9-DCC7-D235-4A467E04A0C7}"/>
+                <a16:creationId xmlns:a16="http://schemas.microsoft.com/office/drawing/2014/main" id="{D5C590AD-C418-7223-3A56-9B1029514C11}"/>
               </a:ext>
             </a:extLst>
           </p:cNvPr>
@@ -2574,7 +2574,7 @@
           <p:cNvPr id="4" name="文本占位符 3">
             <a:extLst>
               <a:ext uri="{FF2B5EF4-FFF2-40B4-BE49-F238E27FC236}">
-                <a16:creationId xmlns:a16="http://schemas.microsoft.com/office/drawing/2014/main" id="{2421818D-F032-841C-2903-25B50BB8C592}"/>
+                <a16:creationId xmlns:a16="http://schemas.microsoft.com/office/drawing/2014/main" id="{AD31FDBB-D846-E784-3D05-103B31A2B1EA}"/>
               </a:ext>
             </a:extLst>
           </p:cNvPr>
@@ -2645,7 +2645,7 @@
           <p:cNvPr id="5" name="日期占位符 4">
             <a:extLst>
               <a:ext uri="{FF2B5EF4-FFF2-40B4-BE49-F238E27FC236}">
-                <a16:creationId xmlns:a16="http://schemas.microsoft.com/office/drawing/2014/main" id="{B77DB36D-4146-8F8B-5645-7CFE68D3D4A6}"/>
+                <a16:creationId xmlns:a16="http://schemas.microsoft.com/office/drawing/2014/main" id="{E25BDEC8-CFC6-2597-FAE7-2D6AD4FF039B}"/>
               </a:ext>
             </a:extLst>
           </p:cNvPr>
@@ -2661,7 +2661,7 @@
           <a:bodyPr/>
           <a:lstStyle/>
           <a:p>
-            <a:fld id="{06A78B97-773D-412C-8AF2-A0EBBF564E92}" type="datetimeFigureOut">
+            <a:fld id="{F380F0A8-0473-4A20-8C20-A96370B75364}" type="datetimeFigureOut">
               <a:rPr lang="zh-CN" altLang="en-US" smtClean="0"/>
               <a:t>2024/3/10</a:t>
             </a:fld>
@@ -2674,7 +2674,7 @@
           <p:cNvPr id="6" name="页脚占位符 5">
             <a:extLst>
               <a:ext uri="{FF2B5EF4-FFF2-40B4-BE49-F238E27FC236}">
-                <a16:creationId xmlns:a16="http://schemas.microsoft.com/office/drawing/2014/main" id="{201D80C1-60A8-A277-C8F6-C03EFB1FC6A9}"/>
+                <a16:creationId xmlns:a16="http://schemas.microsoft.com/office/drawing/2014/main" id="{2EA5BB38-9462-04CF-99BF-ED9586A3601D}"/>
               </a:ext>
             </a:extLst>
           </p:cNvPr>
@@ -2699,7 +2699,7 @@
           <p:cNvPr id="7" name="灯片编号占位符 6">
             <a:extLst>
               <a:ext uri="{FF2B5EF4-FFF2-40B4-BE49-F238E27FC236}">
-                <a16:creationId xmlns:a16="http://schemas.microsoft.com/office/drawing/2014/main" id="{A7F7A2D4-AF68-941A-1477-FD7EC0CE7924}"/>
+                <a16:creationId xmlns:a16="http://schemas.microsoft.com/office/drawing/2014/main" id="{CFDF8065-C1ED-A32F-05F0-E1B38065AA86}"/>
               </a:ext>
             </a:extLst>
           </p:cNvPr>
@@ -2715,7 +2715,7 @@
           <a:bodyPr/>
           <a:lstStyle/>
           <a:p>
-            <a:fld id="{A523F04E-FB01-4960-A81F-F3629EDC51EF}" type="slidenum">
+            <a:fld id="{4A400253-2D7C-47B1-AFA8-B230F6224588}" type="slidenum">
               <a:rPr lang="zh-CN" altLang="en-US" smtClean="0"/>
               <a:t>‹#›</a:t>
             </a:fld>
@@ -2726,7 +2726,7 @@
     </p:spTree>
     <p:extLst>
       <p:ext uri="{BB962C8B-B14F-4D97-AF65-F5344CB8AC3E}">
-        <p14:creationId xmlns:p14="http://schemas.microsoft.com/office/powerpoint/2010/main" val="6909379"/>
+        <p14:creationId xmlns:p14="http://schemas.microsoft.com/office/powerpoint/2010/main" val="1214488739"/>
       </p:ext>
     </p:extLst>
   </p:cSld>
@@ -2763,7 +2763,7 @@
           <p:cNvPr id="2" name="标题占位符 1">
             <a:extLst>
               <a:ext uri="{FF2B5EF4-FFF2-40B4-BE49-F238E27FC236}">
-                <a16:creationId xmlns:a16="http://schemas.microsoft.com/office/drawing/2014/main" id="{C59CB63C-13A6-A76B-81CE-318C4C88842A}"/>
+                <a16:creationId xmlns:a16="http://schemas.microsoft.com/office/drawing/2014/main" id="{228B8FAE-3800-31BE-4B69-FB0BAC1E111F}"/>
               </a:ext>
             </a:extLst>
           </p:cNvPr>
@@ -2801,7 +2801,7 @@
           <p:cNvPr id="3" name="文本占位符 2">
             <a:extLst>
               <a:ext uri="{FF2B5EF4-FFF2-40B4-BE49-F238E27FC236}">
-                <a16:creationId xmlns:a16="http://schemas.microsoft.com/office/drawing/2014/main" id="{CFF14685-A605-1E38-5E6B-3E9F021F1EDE}"/>
+                <a16:creationId xmlns:a16="http://schemas.microsoft.com/office/drawing/2014/main" id="{B4D509F9-BB98-5BC2-FBB3-ABF51BB1F533}"/>
               </a:ext>
             </a:extLst>
           </p:cNvPr>
@@ -2868,7 +2868,7 @@
           <p:cNvPr id="4" name="日期占位符 3">
             <a:extLst>
               <a:ext uri="{FF2B5EF4-FFF2-40B4-BE49-F238E27FC236}">
-                <a16:creationId xmlns:a16="http://schemas.microsoft.com/office/drawing/2014/main" id="{669A9AC4-01C0-7491-B402-18F91A9E4EEB}"/>
+                <a16:creationId xmlns:a16="http://schemas.microsoft.com/office/drawing/2014/main" id="{1544D15F-9C1E-2125-C3C9-DB9F4DB38BD3}"/>
               </a:ext>
             </a:extLst>
           </p:cNvPr>
@@ -2902,7 +2902,7 @@
             </a:lvl1pPr>
           </a:lstStyle>
           <a:p>
-            <a:fld id="{06A78B97-773D-412C-8AF2-A0EBBF564E92}" type="datetimeFigureOut">
+            <a:fld id="{F380F0A8-0473-4A20-8C20-A96370B75364}" type="datetimeFigureOut">
               <a:rPr lang="zh-CN" altLang="en-US" smtClean="0"/>
               <a:t>2024/3/10</a:t>
             </a:fld>
@@ -2915,7 +2915,7 @@
           <p:cNvPr id="5" name="页脚占位符 4">
             <a:extLst>
               <a:ext uri="{FF2B5EF4-FFF2-40B4-BE49-F238E27FC236}">
-                <a16:creationId xmlns:a16="http://schemas.microsoft.com/office/drawing/2014/main" id="{833A731F-06D2-6F27-301B-8A3D51413A73}"/>
+                <a16:creationId xmlns:a16="http://schemas.microsoft.com/office/drawing/2014/main" id="{C6536B14-4A08-55B8-749A-6884272992A5}"/>
               </a:ext>
             </a:extLst>
           </p:cNvPr>
@@ -2958,7 +2958,7 @@
           <p:cNvPr id="6" name="灯片编号占位符 5">
             <a:extLst>
               <a:ext uri="{FF2B5EF4-FFF2-40B4-BE49-F238E27FC236}">
-                <a16:creationId xmlns:a16="http://schemas.microsoft.com/office/drawing/2014/main" id="{1A848FA5-65D8-7032-4C52-B844A2771BEF}"/>
+                <a16:creationId xmlns:a16="http://schemas.microsoft.com/office/drawing/2014/main" id="{1AA7FC2A-A1AE-3D28-0FF2-7D30E237EDEA}"/>
               </a:ext>
             </a:extLst>
           </p:cNvPr>
@@ -2992,7 +2992,7 @@
             </a:lvl1pPr>
           </a:lstStyle>
           <a:p>
-            <a:fld id="{A523F04E-FB01-4960-A81F-F3629EDC51EF}" type="slidenum">
+            <a:fld id="{4A400253-2D7C-47B1-AFA8-B230F6224588}" type="slidenum">
               <a:rPr lang="zh-CN" altLang="en-US" smtClean="0"/>
               <a:t>‹#›</a:t>
             </a:fld>
@@ -3003,7 +3003,7 @@
     </p:spTree>
     <p:extLst>
       <p:ext uri="{BB962C8B-B14F-4D97-AF65-F5344CB8AC3E}">
-        <p14:creationId xmlns:p14="http://schemas.microsoft.com/office/powerpoint/2010/main" val="2594980175"/>
+        <p14:creationId xmlns:p14="http://schemas.microsoft.com/office/powerpoint/2010/main" val="2295710067"/>
       </p:ext>
     </p:extLst>
   </p:cSld>
@@ -3323,7 +3323,7 @@
       </p:grpSpPr>
       <p:pic>
         <p:nvPicPr>
-          <p:cNvPr id="657410" name="Picture 2" descr="641"/>
+          <p:cNvPr id="658434" name="Picture 2" descr="642"/>
           <p:cNvPicPr>
             <a:picLocks noChangeAspect="1" noChangeArrowheads="1"/>
           </p:cNvPicPr>
@@ -3375,11 +3375,158 @@
           </a:extLst>
         </p:spPr>
       </p:pic>
+      <p:pic>
+        <p:nvPicPr>
+          <p:cNvPr id="659459" name="Picture 3" descr="642-2"/>
+          <p:cNvPicPr>
+            <a:picLocks noChangeAspect="1" noChangeArrowheads="1"/>
+          </p:cNvPicPr>
+          <p:nvPr/>
+        </p:nvPicPr>
+        <p:blipFill>
+          <a:blip r:embed="rId3">
+            <a:extLst>
+              <a:ext uri="{28A0092B-C50C-407E-A947-70E740481C1C}">
+                <a14:useLocalDpi xmlns:a14="http://schemas.microsoft.com/office/drawing/2010/main" val="0"/>
+              </a:ext>
+            </a:extLst>
+          </a:blip>
+          <a:srcRect/>
+          <a:stretch>
+            <a:fillRect/>
+          </a:stretch>
+        </p:blipFill>
+        <p:spPr bwMode="auto">
+          <a:xfrm>
+            <a:off x="1560513" y="0"/>
+            <a:ext cx="9144000" cy="6858000"/>
+          </a:xfrm>
+          <a:prstGeom prst="rect">
+            <a:avLst/>
+          </a:prstGeom>
+          <a:noFill/>
+          <a:ln>
+            <a:noFill/>
+          </a:ln>
+          <a:effectLst/>
+          <a:extLst>
+            <a:ext uri="{909E8E84-426E-40DD-AFC4-6F175D3DCCD1}">
+              <a14:hiddenFill xmlns:a14="http://schemas.microsoft.com/office/drawing/2010/main">
+                <a:solidFill>
+                  <a:srgbClr val="FFFFFF"/>
+                </a:solidFill>
+              </a14:hiddenFill>
+            </a:ext>
+            <a:ext uri="{91240B29-F687-4F45-9708-019B960494DF}">
+              <a14:hiddenLine xmlns:a14="http://schemas.microsoft.com/office/drawing/2010/main" w="9525">
+                <a:solidFill>
+                  <a:srgbClr val="000000"/>
+                </a:solidFill>
+                <a:miter lim="800000"/>
+                <a:headEnd/>
+                <a:tailEnd/>
+              </a14:hiddenLine>
+            </a:ext>
+            <a:ext uri="{AF507438-7753-43E0-B8FC-AC1667EBCBE1}">
+              <a14:hiddenEffects xmlns:a14="http://schemas.microsoft.com/office/drawing/2010/main">
+                <a:effectLst>
+                  <a:outerShdw dist="35921" dir="2700000" algn="ctr" rotWithShape="0">
+                    <a:srgbClr val="808080"/>
+                  </a:outerShdw>
+                </a:effectLst>
+              </a14:hiddenEffects>
+            </a:ext>
+          </a:extLst>
+        </p:spPr>
+      </p:pic>
     </p:spTree>
   </p:cSld>
   <p:clrMapOvr>
     <a:masterClrMapping/>
   </p:clrMapOvr>
+  <p:timing>
+    <p:tnLst>
+      <p:par>
+        <p:cTn id="1" dur="indefinite" restart="never" nodeType="tmRoot">
+          <p:childTnLst>
+            <p:seq concurrent="1" nextAc="seek">
+              <p:cTn id="2" dur="indefinite" nodeType="mainSeq">
+                <p:childTnLst>
+                  <p:par>
+                    <p:cTn id="3" fill="hold" nodeType="clickPar">
+                      <p:stCondLst>
+                        <p:cond delay="indefinite"/>
+                      </p:stCondLst>
+                      <p:childTnLst>
+                        <p:par>
+                          <p:cTn id="4" fill="hold" nodeType="withGroup">
+                            <p:stCondLst>
+                              <p:cond delay="0"/>
+                            </p:stCondLst>
+                            <p:childTnLst>
+                              <p:par>
+                                <p:cTn id="5" presetID="10" presetClass="entr" presetSubtype="0" fill="hold" nodeType="clickEffect">
+                                  <p:stCondLst>
+                                    <p:cond delay="0"/>
+                                  </p:stCondLst>
+                                  <p:childTnLst>
+                                    <p:set>
+                                      <p:cBhvr>
+                                        <p:cTn id="6" dur="1" fill="hold">
+                                          <p:stCondLst>
+                                            <p:cond delay="0"/>
+                                          </p:stCondLst>
+                                        </p:cTn>
+                                        <p:tgtEl>
+                                          <p:spTgt spid="659459"/>
+                                        </p:tgtEl>
+                                        <p:attrNameLst>
+                                          <p:attrName>style.visibility</p:attrName>
+                                        </p:attrNameLst>
+                                      </p:cBhvr>
+                                      <p:to>
+                                        <p:strVal val="visible"/>
+                                      </p:to>
+                                    </p:set>
+                                    <p:animEffect transition="in" filter="fade">
+                                      <p:cBhvr>
+                                        <p:cTn id="7" dur="500"/>
+                                        <p:tgtEl>
+                                          <p:spTgt spid="659459"/>
+                                        </p:tgtEl>
+                                      </p:cBhvr>
+                                    </p:animEffect>
+                                  </p:childTnLst>
+                                </p:cTn>
+                              </p:par>
+                            </p:childTnLst>
+                          </p:cTn>
+                        </p:par>
+                      </p:childTnLst>
+                    </p:cTn>
+                  </p:par>
+                </p:childTnLst>
+              </p:cTn>
+              <p:prevCondLst>
+                <p:cond evt="onPrev" delay="0">
+                  <p:tgtEl>
+                    <p:sldTgt/>
+                  </p:tgtEl>
+                </p:cond>
+              </p:prevCondLst>
+              <p:nextCondLst>
+                <p:cond evt="onNext" delay="0">
+                  <p:tgtEl>
+                    <p:sldTgt/>
+                  </p:tgtEl>
+                </p:cond>
+              </p:nextCondLst>
+            </p:seq>
+          </p:childTnLst>
+        </p:cTn>
+      </p:par>
+    </p:tnLst>
+  </p:timing>
 </p:sld>
 </file>
 
